--- a/PowerPoint.pptx
+++ b/PowerPoint.pptx
@@ -4387,7 +4387,15 @@
             </a:r>
             <a:r>
               <a:rPr lang="de-AT" dirty="0"/>
-              <a:t>‘ and ‘SAENET‘)</a:t>
+              <a:t>‘, ‘SAENET‘, ‘</a:t>
+            </a:r>
+            <a:r>
+              <a:rPr lang="de-AT" dirty="0" err="1"/>
+              <a:t>autoencoder</a:t>
+            </a:r>
+            <a:r>
+              <a:rPr lang="de-AT" dirty="0"/>
+              <a:t>‘)</a:t>
             </a:r>
           </a:p>
           <a:p>
@@ -4450,15 +4458,7 @@
             <a:pPr lvl="1"/>
             <a:r>
               <a:rPr lang="de-AT" dirty="0" err="1"/>
-              <a:t>What</a:t>
-            </a:r>
-            <a:r>
-              <a:rPr lang="de-AT" dirty="0"/>
-              <a:t> </a:t>
-            </a:r>
-            <a:r>
-              <a:rPr lang="de-AT" dirty="0" err="1"/>
-              <a:t>activation</a:t>
+              <a:t>Activation</a:t>
             </a:r>
             <a:r>
               <a:rPr lang="de-AT" dirty="0"/>
@@ -4470,11 +4470,19 @@
             </a:r>
             <a:r>
               <a:rPr lang="de-AT" dirty="0"/>
+              <a:t>: </a:t>
+            </a:r>
+            <a:r>
+              <a:rPr lang="de-AT" dirty="0" err="1"/>
+              <a:t>logit</a:t>
+            </a:r>
+            <a:r>
+              <a:rPr lang="de-AT" dirty="0"/>
               <a:t> </a:t>
             </a:r>
             <a:r>
               <a:rPr lang="de-AT" dirty="0" err="1"/>
-              <a:t>shall</a:t>
+              <a:t>or</a:t>
             </a:r>
             <a:r>
               <a:rPr lang="de-AT" dirty="0"/>
@@ -4482,7 +4490,7 @@
             </a:r>
             <a:r>
               <a:rPr lang="de-AT" dirty="0" err="1"/>
-              <a:t>we</a:t>
+              <a:t>relu</a:t>
             </a:r>
             <a:r>
               <a:rPr lang="de-AT" dirty="0"/>
@@ -4490,12 +4498,13 @@
             </a:r>
             <a:r>
               <a:rPr lang="de-AT" dirty="0" err="1"/>
-              <a:t>choose</a:t>
-            </a:r>
-            <a:r>
-              <a:rPr lang="de-AT" dirty="0"/>
+              <a:t>function</a:t>
+            </a:r>
+            <a:r>
+              <a:rPr lang="de-AT"/>
               <a:t>?</a:t>
             </a:r>
+            <a:endParaRPr lang="de-AT" dirty="0"/>
           </a:p>
           <a:p>
             <a:r>

--- a/PowerPoint.pptx
+++ b/PowerPoint.pptx
@@ -260,7 +260,7 @@
           <a:p>
             <a:fld id="{83915DB7-D25E-44C6-9E03-EB81C539EEA8}" type="datetimeFigureOut">
               <a:rPr lang="de-AT" smtClean="0"/>
-              <a:t>19.10.2017</a:t>
+              <a:t>22.10.2017</a:t>
             </a:fld>
             <a:endParaRPr lang="de-AT"/>
           </a:p>
@@ -471,7 +471,7 @@
           <a:p>
             <a:fld id="{83915DB7-D25E-44C6-9E03-EB81C539EEA8}" type="datetimeFigureOut">
               <a:rPr lang="de-AT" smtClean="0"/>
-              <a:t>19.10.2017</a:t>
+              <a:t>22.10.2017</a:t>
             </a:fld>
             <a:endParaRPr lang="de-AT"/>
           </a:p>
@@ -686,7 +686,7 @@
           <a:p>
             <a:fld id="{83915DB7-D25E-44C6-9E03-EB81C539EEA8}" type="datetimeFigureOut">
               <a:rPr lang="de-AT" smtClean="0"/>
-              <a:t>19.10.2017</a:t>
+              <a:t>22.10.2017</a:t>
             </a:fld>
             <a:endParaRPr lang="de-AT"/>
           </a:p>
@@ -887,7 +887,7 @@
           <a:p>
             <a:fld id="{83915DB7-D25E-44C6-9E03-EB81C539EEA8}" type="datetimeFigureOut">
               <a:rPr lang="de-AT" smtClean="0"/>
-              <a:t>19.10.2017</a:t>
+              <a:t>22.10.2017</a:t>
             </a:fld>
             <a:endParaRPr lang="de-AT"/>
           </a:p>
@@ -1166,7 +1166,7 @@
           <a:p>
             <a:fld id="{83915DB7-D25E-44C6-9E03-EB81C539EEA8}" type="datetimeFigureOut">
               <a:rPr lang="de-AT" smtClean="0"/>
-              <a:t>19.10.2017</a:t>
+              <a:t>22.10.2017</a:t>
             </a:fld>
             <a:endParaRPr lang="de-AT"/>
           </a:p>
@@ -1434,7 +1434,7 @@
           <a:p>
             <a:fld id="{83915DB7-D25E-44C6-9E03-EB81C539EEA8}" type="datetimeFigureOut">
               <a:rPr lang="de-AT" smtClean="0"/>
-              <a:t>19.10.2017</a:t>
+              <a:t>22.10.2017</a:t>
             </a:fld>
             <a:endParaRPr lang="de-AT"/>
           </a:p>
@@ -1850,7 +1850,7 @@
           <a:p>
             <a:fld id="{83915DB7-D25E-44C6-9E03-EB81C539EEA8}" type="datetimeFigureOut">
               <a:rPr lang="de-AT" smtClean="0"/>
-              <a:t>19.10.2017</a:t>
+              <a:t>22.10.2017</a:t>
             </a:fld>
             <a:endParaRPr lang="de-AT"/>
           </a:p>
@@ -1999,7 +1999,7 @@
           <a:p>
             <a:fld id="{83915DB7-D25E-44C6-9E03-EB81C539EEA8}" type="datetimeFigureOut">
               <a:rPr lang="de-AT" smtClean="0"/>
-              <a:t>19.10.2017</a:t>
+              <a:t>22.10.2017</a:t>
             </a:fld>
             <a:endParaRPr lang="de-AT"/>
           </a:p>
@@ -2125,7 +2125,7 @@
           <a:p>
             <a:fld id="{83915DB7-D25E-44C6-9E03-EB81C539EEA8}" type="datetimeFigureOut">
               <a:rPr lang="de-AT" smtClean="0"/>
-              <a:t>19.10.2017</a:t>
+              <a:t>22.10.2017</a:t>
             </a:fld>
             <a:endParaRPr lang="de-AT"/>
           </a:p>
@@ -2376,7 +2376,7 @@
           <a:p>
             <a:fld id="{83915DB7-D25E-44C6-9E03-EB81C539EEA8}" type="datetimeFigureOut">
               <a:rPr lang="de-AT" smtClean="0"/>
-              <a:t>19.10.2017</a:t>
+              <a:t>22.10.2017</a:t>
             </a:fld>
             <a:endParaRPr lang="de-AT"/>
           </a:p>
@@ -2821,7 +2821,7 @@
           <a:p>
             <a:fld id="{83915DB7-D25E-44C6-9E03-EB81C539EEA8}" type="datetimeFigureOut">
               <a:rPr lang="de-AT" smtClean="0"/>
-              <a:t>19.10.2017</a:t>
+              <a:t>22.10.2017</a:t>
             </a:fld>
             <a:endParaRPr lang="de-AT"/>
           </a:p>
@@ -3147,7 +3147,7 @@
           <a:p>
             <a:fld id="{83915DB7-D25E-44C6-9E03-EB81C539EEA8}" type="datetimeFigureOut">
               <a:rPr lang="de-AT" smtClean="0"/>
-              <a:t>19.10.2017</a:t>
+              <a:t>22.10.2017</a:t>
             </a:fld>
             <a:endParaRPr lang="de-AT"/>
           </a:p>
@@ -3896,12 +3896,20 @@
           <a:p>
             <a:pPr lvl="1"/>
             <a:r>
+              <a:rPr lang="de-AT" dirty="0"/>
+              <a:t>Connections and </a:t>
+            </a:r>
+            <a:r>
               <a:rPr lang="de-AT" dirty="0" err="1"/>
-              <a:t>Activation</a:t>
-            </a:r>
+              <a:t>weights</a:t>
+            </a:r>
+            <a:endParaRPr lang="de-AT" dirty="0"/>
+          </a:p>
+          <a:p>
+            <a:pPr lvl="1"/>
             <a:r>
               <a:rPr lang="de-AT" dirty="0"/>
-              <a:t> </a:t>
+              <a:t>Propagation </a:t>
             </a:r>
             <a:r>
               <a:rPr lang="de-AT" dirty="0" err="1"/>
@@ -3913,19 +3921,7 @@
             <a:pPr lvl="1"/>
             <a:r>
               <a:rPr lang="de-AT" dirty="0"/>
-              <a:t>Connections and </a:t>
-            </a:r>
-            <a:r>
-              <a:rPr lang="de-AT" dirty="0" err="1"/>
-              <a:t>weights</a:t>
-            </a:r>
-            <a:endParaRPr lang="de-AT" dirty="0"/>
-          </a:p>
-          <a:p>
-            <a:pPr lvl="1"/>
-            <a:r>
-              <a:rPr lang="de-AT" dirty="0"/>
-              <a:t>Propagation </a:t>
+              <a:t>Aktivation </a:t>
             </a:r>
             <a:r>
               <a:rPr lang="de-AT" dirty="0" err="1"/>
@@ -4016,10 +4012,10 @@
       </p:sp>
       <p:pic>
         <p:nvPicPr>
-          <p:cNvPr id="4" name="Inhaltsplatzhalter 3">
+          <p:cNvPr id="5" name="Inhaltsplatzhalter 4">
             <a:extLst>
               <a:ext uri="{FF2B5EF4-FFF2-40B4-BE49-F238E27FC236}">
-                <a16:creationId xmlns:a16="http://schemas.microsoft.com/office/drawing/2014/main" id="{352DD609-16D9-4EC2-82FE-F01777BED09E}"/>
+                <a16:creationId xmlns:a16="http://schemas.microsoft.com/office/drawing/2014/main" id="{6A94C3EC-82FA-4C78-AD7E-332AF27DA602}"/>
               </a:ext>
             </a:extLst>
           </p:cNvPr>
@@ -4038,8 +4034,8 @@
         </p:blipFill>
         <p:spPr>
           <a:xfrm>
-            <a:off x="2160104" y="2016125"/>
-            <a:ext cx="7601613" cy="3722066"/>
+            <a:off x="2164867" y="2266122"/>
+            <a:ext cx="8611692" cy="3008243"/>
           </a:xfrm>
           <a:prstGeom prst="rect">
             <a:avLst/>
@@ -4328,27 +4324,51 @@
               <a:t>           </a:t>
             </a:r>
             <a:r>
-              <a:rPr lang="de-AT" dirty="0" err="1"/>
+              <a:rPr lang="de-AT" dirty="0" err="1">
+                <a:solidFill>
+                  <a:schemeClr val="accent5"/>
+                </a:solidFill>
+              </a:rPr>
               <a:t>Our</a:t>
             </a:r>
             <a:r>
-              <a:rPr lang="de-AT" dirty="0"/>
+              <a:rPr lang="de-AT" dirty="0">
+                <a:solidFill>
+                  <a:schemeClr val="accent5"/>
+                </a:solidFill>
+              </a:rPr>
               <a:t> Plan </a:t>
             </a:r>
             <a:r>
-              <a:rPr lang="de-AT" dirty="0" err="1"/>
+              <a:rPr lang="de-AT" dirty="0" err="1">
+                <a:solidFill>
+                  <a:schemeClr val="accent5"/>
+                </a:solidFill>
+              </a:rPr>
               <a:t>for</a:t>
             </a:r>
             <a:r>
-              <a:rPr lang="de-AT" dirty="0"/>
+              <a:rPr lang="de-AT" dirty="0">
+                <a:solidFill>
+                  <a:schemeClr val="accent5"/>
+                </a:solidFill>
+              </a:rPr>
               <a:t> </a:t>
             </a:r>
             <a:r>
-              <a:rPr lang="de-AT" dirty="0" err="1"/>
+              <a:rPr lang="de-AT" dirty="0" err="1">
+                <a:solidFill>
+                  <a:schemeClr val="accent5"/>
+                </a:solidFill>
+              </a:rPr>
               <a:t>the</a:t>
             </a:r>
             <a:r>
-              <a:rPr lang="de-AT" dirty="0"/>
+              <a:rPr lang="de-AT" dirty="0">
+                <a:solidFill>
+                  <a:schemeClr val="accent5"/>
+                </a:solidFill>
+              </a:rPr>
               <a:t> Project </a:t>
             </a:r>
           </a:p>
@@ -4400,8 +4420,34 @@
           </a:p>
           <a:p>
             <a:r>
+              <a:rPr lang="de-AT" dirty="0"/>
+              <a:t>Finetuning </a:t>
+            </a:r>
+            <a:r>
               <a:rPr lang="de-AT" dirty="0" err="1"/>
-              <a:t>Finetuning</a:t>
+              <a:t>with</a:t>
+            </a:r>
+            <a:r>
+              <a:rPr lang="de-AT" dirty="0"/>
+              <a:t> back </a:t>
+            </a:r>
+            <a:r>
+              <a:rPr lang="de-AT" dirty="0" err="1"/>
+              <a:t>propagation</a:t>
+            </a:r>
+            <a:endParaRPr lang="de-AT" dirty="0"/>
+          </a:p>
+          <a:p>
+            <a:r>
+              <a:rPr lang="de-AT" dirty="0"/>
+              <a:t>Questions: </a:t>
+            </a:r>
+          </a:p>
+          <a:p>
+            <a:pPr lvl="1"/>
+            <a:r>
+              <a:rPr lang="de-AT" dirty="0" err="1"/>
+              <a:t>How</a:t>
             </a:r>
             <a:r>
               <a:rPr lang="de-AT" dirty="0"/>
@@ -4409,29 +4455,7 @@
             </a:r>
             <a:r>
               <a:rPr lang="de-AT" dirty="0" err="1"/>
-              <a:t>with</a:t>
-            </a:r>
-            <a:r>
-              <a:rPr lang="de-AT" dirty="0"/>
-              <a:t> back </a:t>
-            </a:r>
-            <a:r>
-              <a:rPr lang="de-AT" dirty="0" err="1"/>
-              <a:t>propagation</a:t>
-            </a:r>
-            <a:endParaRPr lang="de-AT" dirty="0"/>
-          </a:p>
-          <a:p>
-            <a:r>
-              <a:rPr lang="de-AT" dirty="0"/>
-              <a:t>Questions: </a:t>
-            </a:r>
-          </a:p>
-          <a:p>
-            <a:pPr lvl="1"/>
-            <a:r>
-              <a:rPr lang="de-AT" dirty="0" err="1"/>
-              <a:t>How</a:t>
+              <a:t>many</a:t>
             </a:r>
             <a:r>
               <a:rPr lang="de-AT" dirty="0"/>
@@ -4439,7 +4463,18 @@
             </a:r>
             <a:r>
               <a:rPr lang="de-AT" dirty="0" err="1"/>
-              <a:t>many</a:t>
+              <a:t>layers</a:t>
+            </a:r>
+            <a:r>
+              <a:rPr lang="de-AT" dirty="0"/>
+              <a:t>?</a:t>
+            </a:r>
+          </a:p>
+          <a:p>
+            <a:pPr lvl="1"/>
+            <a:r>
+              <a:rPr lang="de-AT" dirty="0" err="1"/>
+              <a:t>Activation</a:t>
             </a:r>
             <a:r>
               <a:rPr lang="de-AT" dirty="0"/>
@@ -4447,30 +4482,19 @@
             </a:r>
             <a:r>
               <a:rPr lang="de-AT" dirty="0" err="1"/>
-              <a:t>layers</a:t>
+              <a:t>function</a:t>
             </a:r>
             <a:r>
               <a:rPr lang="de-AT" dirty="0"/>
-              <a:t>?</a:t>
-            </a:r>
-          </a:p>
-          <a:p>
-            <a:pPr lvl="1"/>
+              <a:t>:  </a:t>
+            </a:r>
             <a:r>
               <a:rPr lang="de-AT" dirty="0" err="1"/>
-              <a:t>Activation</a:t>
+              <a:t>tanh</a:t>
             </a:r>
             <a:r>
               <a:rPr lang="de-AT" dirty="0"/>
-              <a:t> </a:t>
-            </a:r>
-            <a:r>
-              <a:rPr lang="de-AT" dirty="0" err="1"/>
-              <a:t>function</a:t>
-            </a:r>
-            <a:r>
-              <a:rPr lang="de-AT" dirty="0"/>
-              <a:t>: </a:t>
+              <a:t>, </a:t>
             </a:r>
             <a:r>
               <a:rPr lang="de-AT" dirty="0" err="1"/>
@@ -4478,31 +4502,11 @@
             </a:r>
             <a:r>
               <a:rPr lang="de-AT" dirty="0"/>
-              <a:t> </a:t>
-            </a:r>
-            <a:r>
-              <a:rPr lang="de-AT" dirty="0" err="1"/>
-              <a:t>or</a:t>
-            </a:r>
-            <a:r>
-              <a:rPr lang="de-AT" dirty="0"/>
-              <a:t> </a:t>
+              <a:t>, cos, </a:t>
             </a:r>
             <a:r>
               <a:rPr lang="de-AT" dirty="0" err="1"/>
               <a:t>relu</a:t>
-            </a:r>
-            <a:r>
-              <a:rPr lang="de-AT" dirty="0"/>
-              <a:t> </a:t>
-            </a:r>
-            <a:r>
-              <a:rPr lang="de-AT" dirty="0" err="1"/>
-              <a:t>function</a:t>
-            </a:r>
-            <a:r>
-              <a:rPr lang="de-AT"/>
-              <a:t>?</a:t>
             </a:r>
             <a:endParaRPr lang="de-AT" dirty="0"/>
           </a:p>
@@ -4630,23 +4634,51 @@
           <a:p>
             <a:r>
               <a:rPr lang="en-US" dirty="0"/>
-              <a:t>                   thank you </a:t>
+              <a:t>                   </a:t>
+            </a:r>
+            <a:r>
+              <a:rPr lang="en-US" dirty="0">
+                <a:solidFill>
+                  <a:schemeClr val="accent5"/>
+                </a:solidFill>
+              </a:rPr>
+              <a:t>thank you </a:t>
             </a:r>
             <a:br>
-              <a:rPr lang="en-US" dirty="0"/>
+              <a:rPr lang="en-US" dirty="0">
+                <a:solidFill>
+                  <a:schemeClr val="accent5"/>
+                </a:solidFill>
+              </a:rPr>
             </a:br>
             <a:r>
-              <a:rPr lang="en-US" dirty="0"/>
+              <a:rPr lang="en-US" dirty="0">
+                <a:solidFill>
+                  <a:schemeClr val="accent5"/>
+                </a:solidFill>
+              </a:rPr>
               <a:t>                        for</a:t>
             </a:r>
             <a:br>
-              <a:rPr lang="en-US" dirty="0"/>
+              <a:rPr lang="en-US" dirty="0">
+                <a:solidFill>
+                  <a:schemeClr val="accent5"/>
+                </a:solidFill>
+              </a:rPr>
             </a:br>
             <a:r>
-              <a:rPr lang="en-US" dirty="0"/>
+              <a:rPr lang="en-US" dirty="0">
+                <a:solidFill>
+                  <a:schemeClr val="accent5"/>
+                </a:solidFill>
+              </a:rPr>
               <a:t>              your attention</a:t>
             </a:r>
-            <a:endParaRPr lang="de-AT" dirty="0"/>
+            <a:endParaRPr lang="de-AT" dirty="0">
+              <a:solidFill>
+                <a:schemeClr val="accent5"/>
+              </a:solidFill>
+            </a:endParaRPr>
           </a:p>
         </p:txBody>
       </p:sp>

--- a/PowerPoint.pptx
+++ b/PowerPoint.pptx
@@ -260,7 +260,7 @@
           <a:p>
             <a:fld id="{83915DB7-D25E-44C6-9E03-EB81C539EEA8}" type="datetimeFigureOut">
               <a:rPr lang="de-AT" smtClean="0"/>
-              <a:t>22.10.2017</a:t>
+              <a:t>23.10.2017</a:t>
             </a:fld>
             <a:endParaRPr lang="de-AT"/>
           </a:p>
@@ -471,7 +471,7 @@
           <a:p>
             <a:fld id="{83915DB7-D25E-44C6-9E03-EB81C539EEA8}" type="datetimeFigureOut">
               <a:rPr lang="de-AT" smtClean="0"/>
-              <a:t>22.10.2017</a:t>
+              <a:t>23.10.2017</a:t>
             </a:fld>
             <a:endParaRPr lang="de-AT"/>
           </a:p>
@@ -686,7 +686,7 @@
           <a:p>
             <a:fld id="{83915DB7-D25E-44C6-9E03-EB81C539EEA8}" type="datetimeFigureOut">
               <a:rPr lang="de-AT" smtClean="0"/>
-              <a:t>22.10.2017</a:t>
+              <a:t>23.10.2017</a:t>
             </a:fld>
             <a:endParaRPr lang="de-AT"/>
           </a:p>
@@ -887,7 +887,7 @@
           <a:p>
             <a:fld id="{83915DB7-D25E-44C6-9E03-EB81C539EEA8}" type="datetimeFigureOut">
               <a:rPr lang="de-AT" smtClean="0"/>
-              <a:t>22.10.2017</a:t>
+              <a:t>23.10.2017</a:t>
             </a:fld>
             <a:endParaRPr lang="de-AT"/>
           </a:p>
@@ -1166,7 +1166,7 @@
           <a:p>
             <a:fld id="{83915DB7-D25E-44C6-9E03-EB81C539EEA8}" type="datetimeFigureOut">
               <a:rPr lang="de-AT" smtClean="0"/>
-              <a:t>22.10.2017</a:t>
+              <a:t>23.10.2017</a:t>
             </a:fld>
             <a:endParaRPr lang="de-AT"/>
           </a:p>
@@ -1434,7 +1434,7 @@
           <a:p>
             <a:fld id="{83915DB7-D25E-44C6-9E03-EB81C539EEA8}" type="datetimeFigureOut">
               <a:rPr lang="de-AT" smtClean="0"/>
-              <a:t>22.10.2017</a:t>
+              <a:t>23.10.2017</a:t>
             </a:fld>
             <a:endParaRPr lang="de-AT"/>
           </a:p>
@@ -1850,7 +1850,7 @@
           <a:p>
             <a:fld id="{83915DB7-D25E-44C6-9E03-EB81C539EEA8}" type="datetimeFigureOut">
               <a:rPr lang="de-AT" smtClean="0"/>
-              <a:t>22.10.2017</a:t>
+              <a:t>23.10.2017</a:t>
             </a:fld>
             <a:endParaRPr lang="de-AT"/>
           </a:p>
@@ -1999,7 +1999,7 @@
           <a:p>
             <a:fld id="{83915DB7-D25E-44C6-9E03-EB81C539EEA8}" type="datetimeFigureOut">
               <a:rPr lang="de-AT" smtClean="0"/>
-              <a:t>22.10.2017</a:t>
+              <a:t>23.10.2017</a:t>
             </a:fld>
             <a:endParaRPr lang="de-AT"/>
           </a:p>
@@ -2125,7 +2125,7 @@
           <a:p>
             <a:fld id="{83915DB7-D25E-44C6-9E03-EB81C539EEA8}" type="datetimeFigureOut">
               <a:rPr lang="de-AT" smtClean="0"/>
-              <a:t>22.10.2017</a:t>
+              <a:t>23.10.2017</a:t>
             </a:fld>
             <a:endParaRPr lang="de-AT"/>
           </a:p>
@@ -2376,7 +2376,7 @@
           <a:p>
             <a:fld id="{83915DB7-D25E-44C6-9E03-EB81C539EEA8}" type="datetimeFigureOut">
               <a:rPr lang="de-AT" smtClean="0"/>
-              <a:t>22.10.2017</a:t>
+              <a:t>23.10.2017</a:t>
             </a:fld>
             <a:endParaRPr lang="de-AT"/>
           </a:p>
@@ -2821,7 +2821,7 @@
           <a:p>
             <a:fld id="{83915DB7-D25E-44C6-9E03-EB81C539EEA8}" type="datetimeFigureOut">
               <a:rPr lang="de-AT" smtClean="0"/>
-              <a:t>22.10.2017</a:t>
+              <a:t>23.10.2017</a:t>
             </a:fld>
             <a:endParaRPr lang="de-AT"/>
           </a:p>
@@ -3147,7 +3147,7 @@
           <a:p>
             <a:fld id="{83915DB7-D25E-44C6-9E03-EB81C539EEA8}" type="datetimeFigureOut">
               <a:rPr lang="de-AT" smtClean="0"/>
-              <a:t>22.10.2017</a:t>
+              <a:t>23.10.2017</a:t>
             </a:fld>
             <a:endParaRPr lang="de-AT"/>
           </a:p>
@@ -3920,8 +3920,12 @@
           <a:p>
             <a:pPr lvl="1"/>
             <a:r>
+              <a:rPr lang="de-AT" dirty="0" err="1"/>
+              <a:t>Activation</a:t>
+            </a:r>
+            <a:r>
               <a:rPr lang="de-AT" dirty="0"/>
-              <a:t>Aktivation </a:t>
+              <a:t> </a:t>
             </a:r>
             <a:r>
               <a:rPr lang="de-AT" dirty="0" err="1"/>
@@ -4486,7 +4490,23 @@
             </a:r>
             <a:r>
               <a:rPr lang="de-AT" dirty="0"/>
-              <a:t>:  </a:t>
+              <a:t>: </a:t>
+            </a:r>
+            <a:r>
+              <a:rPr lang="de-AT" dirty="0" err="1"/>
+              <a:t>logit</a:t>
+            </a:r>
+            <a:r>
+              <a:rPr lang="de-AT" dirty="0"/>
+              <a:t>, </a:t>
+            </a:r>
+            <a:r>
+              <a:rPr lang="de-AT" dirty="0" err="1"/>
+              <a:t>relu</a:t>
+            </a:r>
+            <a:r>
+              <a:rPr lang="de-AT" dirty="0"/>
+              <a:t>, </a:t>
             </a:r>
             <a:r>
               <a:rPr lang="de-AT" dirty="0" err="1"/>
@@ -4494,21 +4514,8 @@
             </a:r>
             <a:r>
               <a:rPr lang="de-AT" dirty="0"/>
-              <a:t>, </a:t>
-            </a:r>
-            <a:r>
-              <a:rPr lang="de-AT" dirty="0" err="1"/>
-              <a:t>logit</a:t>
-            </a:r>
-            <a:r>
-              <a:rPr lang="de-AT" dirty="0"/>
-              <a:t>, cos, </a:t>
-            </a:r>
-            <a:r>
-              <a:rPr lang="de-AT" dirty="0" err="1"/>
-              <a:t>relu</a:t>
-            </a:r>
-            <a:endParaRPr lang="de-AT" dirty="0"/>
+              <a:t>, cos ?</a:t>
+            </a:r>
           </a:p>
           <a:p>
             <a:r>
